--- a/BFS implementation.pptx
+++ b/BFS implementation.pptx
@@ -6,7 +6,7 @@
     <p:sldMasterId id="2147483678" r:id="rId2"/>
   </p:sldMasterIdLst>
   <p:sldIdLst>
-    <p:sldId id="288" r:id="rId3"/>
+    <p:sldId id="353" r:id="rId3"/>
     <p:sldId id="322" r:id="rId4"/>
     <p:sldId id="323" r:id="rId5"/>
     <p:sldId id="324" r:id="rId6"/>
@@ -140,7 +140,7 @@
 <file path=ppt/revisionInfo.xml><?xml version="1.0" encoding="utf-8"?>
 <p1510:revInfo xmlns:a="http://schemas.openxmlformats.org/drawingml/2006/main" xmlns:r="http://schemas.openxmlformats.org/officeDocument/2006/relationships" xmlns:p1510="http://schemas.microsoft.com/office/powerpoint/2015/10/main">
   <p1510:revLst>
-    <p1510:client id="{7D515C7D-D330-6B4E-A592-E5CB7D7A3FAB}" v="62" dt="2021-03-25T15:20:48.457"/>
+    <p1510:client id="{7D515C7D-D330-6B4E-A592-E5CB7D7A3FAB}" v="64" dt="2021-03-25T15:36:58.492"/>
   </p1510:revLst>
 </p1510:revInfo>
 </file>
@@ -149,11 +149,26 @@
 <pc:chgInfo xmlns:a="http://schemas.openxmlformats.org/drawingml/2006/main" xmlns:r="http://schemas.openxmlformats.org/officeDocument/2006/relationships" xmlns:ac="http://schemas.microsoft.com/office/drawing/2013/main/command" xmlns:pc="http://schemas.microsoft.com/office/powerpoint/2013/main/command">
   <pc:docChgLst>
     <pc:chgData name="Liu, Kunli" userId="0fbd029f-d407-44f9-8183-0cc38f239c59" providerId="ADAL" clId="{7D515C7D-D330-6B4E-A592-E5CB7D7A3FAB}"/>
-    <pc:docChg chg="undo custSel addSld modSld sldOrd">
-      <pc:chgData name="Liu, Kunli" userId="0fbd029f-d407-44f9-8183-0cc38f239c59" providerId="ADAL" clId="{7D515C7D-D330-6B4E-A592-E5CB7D7A3FAB}" dt="2021-03-25T15:26:07.079" v="1944" actId="1076"/>
+    <pc:docChg chg="undo custSel addSld delSld modSld sldOrd">
+      <pc:chgData name="Liu, Kunli" userId="0fbd029f-d407-44f9-8183-0cc38f239c59" providerId="ADAL" clId="{7D515C7D-D330-6B4E-A592-E5CB7D7A3FAB}" dt="2021-03-25T15:37:05.295" v="1963" actId="2696"/>
       <pc:docMkLst>
         <pc:docMk/>
       </pc:docMkLst>
+      <pc:sldChg chg="addSp delSp modSp del mod">
+        <pc:chgData name="Liu, Kunli" userId="0fbd029f-d407-44f9-8183-0cc38f239c59" providerId="ADAL" clId="{7D515C7D-D330-6B4E-A592-E5CB7D7A3FAB}" dt="2021-03-25T15:37:05.295" v="1963" actId="2696"/>
+        <pc:sldMkLst>
+          <pc:docMk/>
+          <pc:sldMk cId="3687677115" sldId="288"/>
+        </pc:sldMkLst>
+        <pc:spChg chg="add del mod">
+          <ac:chgData name="Liu, Kunli" userId="0fbd029f-d407-44f9-8183-0cc38f239c59" providerId="ADAL" clId="{7D515C7D-D330-6B4E-A592-E5CB7D7A3FAB}" dt="2021-03-25T15:36:49.266" v="1947"/>
+          <ac:spMkLst>
+            <pc:docMk/>
+            <pc:sldMk cId="3687677115" sldId="288"/>
+            <ac:spMk id="3" creationId="{4427DA7B-9B03-4040-847E-62C305B0D057}"/>
+          </ac:spMkLst>
+        </pc:spChg>
+      </pc:sldChg>
       <pc:sldChg chg="addSp delSp modSp mod">
         <pc:chgData name="Liu, Kunli" userId="0fbd029f-d407-44f9-8183-0cc38f239c59" providerId="ADAL" clId="{7D515C7D-D330-6B4E-A592-E5CB7D7A3FAB}" dt="2021-03-25T15:24:01.744" v="1811" actId="15"/>
         <pc:sldMkLst>
@@ -479,6 +494,29 @@
             <pc:docMk/>
             <pc:sldMk cId="1984982999" sldId="352"/>
             <ac:spMk id="4" creationId="{3E12D5C8-72FF-204A-A01A-7D6E3E9C8838}"/>
+          </ac:spMkLst>
+        </pc:spChg>
+      </pc:sldChg>
+      <pc:sldChg chg="modSp new mod">
+        <pc:chgData name="Liu, Kunli" userId="0fbd029f-d407-44f9-8183-0cc38f239c59" providerId="ADAL" clId="{7D515C7D-D330-6B4E-A592-E5CB7D7A3FAB}" dt="2021-03-25T15:37:02.452" v="1962" actId="5793"/>
+        <pc:sldMkLst>
+          <pc:docMk/>
+          <pc:sldMk cId="2275500306" sldId="353"/>
+        </pc:sldMkLst>
+        <pc:spChg chg="mod">
+          <ac:chgData name="Liu, Kunli" userId="0fbd029f-d407-44f9-8183-0cc38f239c59" providerId="ADAL" clId="{7D515C7D-D330-6B4E-A592-E5CB7D7A3FAB}" dt="2021-03-25T15:36:58.492" v="1958"/>
+          <ac:spMkLst>
+            <pc:docMk/>
+            <pc:sldMk cId="2275500306" sldId="353"/>
+            <ac:spMk id="2" creationId="{04EE7426-663B-9848-BBC7-F02EB1765A49}"/>
+          </ac:spMkLst>
+        </pc:spChg>
+        <pc:spChg chg="mod">
+          <ac:chgData name="Liu, Kunli" userId="0fbd029f-d407-44f9-8183-0cc38f239c59" providerId="ADAL" clId="{7D515C7D-D330-6B4E-A592-E5CB7D7A3FAB}" dt="2021-03-25T15:37:02.452" v="1962" actId="5793"/>
+          <ac:spMkLst>
+            <pc:docMk/>
+            <pc:sldMk cId="2275500306" sldId="353"/>
+            <ac:spMk id="3" creationId="{520B7265-F529-C741-B25B-F47A4090BC94}"/>
           </ac:spMkLst>
         </pc:spChg>
       </pc:sldChg>
@@ -13577,7 +13615,7 @@
           <p:cNvPr id="2" name="Title 1">
             <a:extLst>
               <a:ext uri="{FF2B5EF4-FFF2-40B4-BE49-F238E27FC236}">
-                <a16:creationId xmlns:a16="http://schemas.microsoft.com/office/drawing/2014/main" id="{22B8060A-BCF6-754F-A875-340E2AA9D6DC}"/>
+                <a16:creationId xmlns:a16="http://schemas.microsoft.com/office/drawing/2014/main" id="{04EE7426-663B-9848-BBC7-F02EB1765A49}"/>
               </a:ext>
             </a:extLst>
           </p:cNvPr>
@@ -13590,9 +13628,7 @@
         </p:nvSpPr>
         <p:spPr/>
         <p:txBody>
-          <a:bodyPr>
-            <a:normAutofit/>
-          </a:bodyPr>
+          <a:bodyPr/>
           <a:lstStyle/>
           <a:p>
             <a:r>
@@ -13630,6 +13666,51 @@
             <a:r>
               <a:rPr lang="en-US" altLang="zh-CN" dirty="0"/>
               <a:t>implementation</a:t>
+            </a:r>
+            <a:endParaRPr lang="en-US" dirty="0"/>
+          </a:p>
+        </p:txBody>
+      </p:sp>
+      <p:sp>
+        <p:nvSpPr>
+          <p:cNvPr id="3" name="Subtitle 2">
+            <a:extLst>
+              <a:ext uri="{FF2B5EF4-FFF2-40B4-BE49-F238E27FC236}">
+                <a16:creationId xmlns:a16="http://schemas.microsoft.com/office/drawing/2014/main" id="{520B7265-F529-C741-B25B-F47A4090BC94}"/>
+              </a:ext>
+            </a:extLst>
+          </p:cNvPr>
+          <p:cNvSpPr>
+            <a:spLocks noGrp="1"/>
+          </p:cNvSpPr>
+          <p:nvPr>
+            <p:ph type="subTitle" idx="1"/>
+          </p:nvPr>
+        </p:nvSpPr>
+        <p:spPr/>
+        <p:txBody>
+          <a:bodyPr/>
+          <a:lstStyle/>
+          <a:p>
+            <a:r>
+              <a:rPr lang="en-US" altLang="zh-CN" dirty="0"/>
+              <a:t>By</a:t>
+            </a:r>
+            <a:r>
+              <a:rPr lang="zh-CN" altLang="en-US" dirty="0"/>
+              <a:t> </a:t>
+            </a:r>
+            <a:r>
+              <a:rPr lang="en-US" altLang="zh-CN" dirty="0" err="1"/>
+              <a:t>Kunli</a:t>
+            </a:r>
+            <a:r>
+              <a:rPr lang="zh-CN" altLang="en-US" dirty="0"/>
+              <a:t> </a:t>
+            </a:r>
+            <a:r>
+              <a:rPr lang="en-US" altLang="zh-CN" dirty="0"/>
+              <a:t>Liu</a:t>
             </a:r>
             <a:endParaRPr lang="en-US" dirty="0"/>
           </a:p>
@@ -13638,7 +13719,7 @@
     </p:spTree>
     <p:extLst>
       <p:ext uri="{BB962C8B-B14F-4D97-AF65-F5344CB8AC3E}">
-        <p14:creationId xmlns:p14="http://schemas.microsoft.com/office/powerpoint/2010/main" val="3687677115"/>
+        <p14:creationId xmlns:p14="http://schemas.microsoft.com/office/powerpoint/2010/main" val="2275500306"/>
       </p:ext>
     </p:extLst>
   </p:cSld>
